--- a/pub/Management/20140212AgendaMinutes/OSG_User_Support_12feb2014.pptx
+++ b/pub/Management/20140212AgendaMinutes/OSG_User_Support_12feb2014.pptx
@@ -13730,7 +13730,23 @@
             </a:r>
             <a:r>
               <a:rPr lang="en-US" sz="1600" b="1" dirty="0" smtClean="0"/>
-              <a:t> project (we audited the configuration of the OSG-XD frontend) – no major issues identified but some fine tuning done</a:t>
+              <a:t> </a:t>
+            </a:r>
+            <a:r>
+              <a:rPr lang="en-US" sz="1600" b="1" dirty="0" smtClean="0"/>
+              <a:t>project, we </a:t>
+            </a:r>
+            <a:r>
+              <a:rPr lang="en-US" sz="1600" b="1" dirty="0" smtClean="0"/>
+              <a:t>audited the configuration of the OSG-XD </a:t>
+            </a:r>
+            <a:r>
+              <a:rPr lang="en-US" sz="1600" b="1" dirty="0" smtClean="0"/>
+              <a:t>frontend </a:t>
+            </a:r>
+            <a:r>
+              <a:rPr lang="en-US" sz="1600" b="1" dirty="0" smtClean="0"/>
+              <a:t>– no major issues identified but some fine tuning done</a:t>
             </a:r>
           </a:p>
           <a:p>
